--- a/Lecture 6.pptx
+++ b/Lecture 6.pptx
@@ -4475,18 +4475,14 @@
           </a:p>
           <a:p>
             <a:r>
-              <a:rPr lang="en-US"/>
-              <a:t>Pop returns </a:t>
-            </a:r>
-            <a:r>
               <a:rPr lang="en-US" dirty="0"/>
-              <a:t>the value which was removed</a:t>
+              <a:t>Pop returns the value which was removed</a:t>
             </a:r>
           </a:p>
           <a:p>
             <a:r>
               <a:rPr lang="en-US" dirty="0"/>
-              <a:t>If you do not want the removed value in return , the you can use </a:t>
+              <a:t>If you do not want the removed value in return , then you can use </a:t>
             </a:r>
             <a:r>
               <a:rPr lang="en-US" b="1" dirty="0"/>
@@ -5458,7 +5454,7 @@
             </a:r>
             <a:r>
               <a:rPr lang="en-IN" dirty="0"/>
-              <a:t> takes a list as an argument an adds all the argument list element to the referenced list Ref: Ex2</a:t>
+              <a:t> takes a list as an argument an adds all the argument list elements to the referenced list Ref: Ex2</a:t>
             </a:r>
           </a:p>
           <a:p>
